--- a/contents/Ch7_8.pptx
+++ b/contents/Ch7_8.pptx
@@ -8144,6 +8144,36 @@
           <a:chExt cx="0" cy="0"/>
         </a:xfrm>
       </p:grpSpPr>
+      <p:pic>
+        <p:nvPicPr>
+          <p:cNvPr id="14" name="그림 13">
+            <a:extLst>
+              <a:ext uri="{FF2B5EF4-FFF2-40B4-BE49-F238E27FC236}">
+                <a16:creationId xmlns:a16="http://schemas.microsoft.com/office/drawing/2014/main" id="{85C91F72-3D0B-6B01-CF0B-FEDC7723C31B}"/>
+              </a:ext>
+            </a:extLst>
+          </p:cNvPr>
+          <p:cNvPicPr>
+            <a:picLocks noChangeAspect="1"/>
+          </p:cNvPicPr>
+          <p:nvPr/>
+        </p:nvPicPr>
+        <p:blipFill>
+          <a:blip r:embed="rId3"/>
+          <a:stretch>
+            <a:fillRect/>
+          </a:stretch>
+        </p:blipFill>
+        <p:spPr>
+          <a:xfrm>
+            <a:off x="4402946" y="1797627"/>
+            <a:ext cx="3120230" cy="4603914"/>
+          </a:xfrm>
+          <a:prstGeom prst="rect">
+            <a:avLst/>
+          </a:prstGeom>
+        </p:spPr>
+      </p:pic>
       <p:sp>
         <p:nvSpPr>
           <p:cNvPr id="5" name="TextBox 4">
@@ -8205,6 +8235,374 @@
           <a:prstGeom prst="line">
             <a:avLst/>
           </a:prstGeom>
+        </p:spPr>
+        <p:style>
+          <a:lnRef idx="2">
+            <a:schemeClr val="accent1"/>
+          </a:lnRef>
+          <a:fillRef idx="0">
+            <a:schemeClr val="accent1"/>
+          </a:fillRef>
+          <a:effectRef idx="1">
+            <a:schemeClr val="accent1"/>
+          </a:effectRef>
+          <a:fontRef idx="minor">
+            <a:schemeClr val="tx1"/>
+          </a:fontRef>
+        </p:style>
+      </p:cxnSp>
+      <p:sp>
+        <p:nvSpPr>
+          <p:cNvPr id="3" name="TextBox 2">
+            <a:extLst>
+              <a:ext uri="{FF2B5EF4-FFF2-40B4-BE49-F238E27FC236}">
+                <a16:creationId xmlns:a16="http://schemas.microsoft.com/office/drawing/2014/main" id="{173E5DE9-E0E0-B826-2658-6CAC730A96E3}"/>
+              </a:ext>
+            </a:extLst>
+          </p:cNvPr>
+          <p:cNvSpPr txBox="1"/>
+          <p:nvPr/>
+        </p:nvSpPr>
+        <p:spPr>
+          <a:xfrm>
+            <a:off x="11664950" y="6581001"/>
+            <a:ext cx="527050" cy="276999"/>
+          </a:xfrm>
+          <a:prstGeom prst="rect">
+            <a:avLst/>
+          </a:prstGeom>
+          <a:noFill/>
+        </p:spPr>
+        <p:txBody>
+          <a:bodyPr wrap="square" rtlCol="0">
+            <a:spAutoFit/>
+          </a:bodyPr>
+          <a:lstStyle/>
+          <a:p>
+            <a:pPr algn="r"/>
+            <a:r>
+              <a:rPr lang="en-US" altLang="ko-KR" sz="1200" dirty="0"/>
+              <a:t>Ch7</a:t>
+            </a:r>
+            <a:endParaRPr lang="ko-KR" altLang="en-US" sz="1200" dirty="0"/>
+          </a:p>
+        </p:txBody>
+      </p:sp>
+      <p:pic>
+        <p:nvPicPr>
+          <p:cNvPr id="8" name="그림 7">
+            <a:extLst>
+              <a:ext uri="{FF2B5EF4-FFF2-40B4-BE49-F238E27FC236}">
+                <a16:creationId xmlns:a16="http://schemas.microsoft.com/office/drawing/2014/main" id="{407C37D4-6542-878B-851F-1733989FC4A0}"/>
+              </a:ext>
+            </a:extLst>
+          </p:cNvPr>
+          <p:cNvPicPr>
+            <a:picLocks noChangeAspect="1"/>
+          </p:cNvPicPr>
+          <p:nvPr/>
+        </p:nvPicPr>
+        <p:blipFill>
+          <a:blip r:embed="rId4"/>
+          <a:stretch>
+            <a:fillRect/>
+          </a:stretch>
+        </p:blipFill>
+        <p:spPr>
+          <a:xfrm>
+            <a:off x="8889901" y="956374"/>
+            <a:ext cx="1417500" cy="2520000"/>
+          </a:xfrm>
+          <a:prstGeom prst="rect">
+            <a:avLst/>
+          </a:prstGeom>
+        </p:spPr>
+      </p:pic>
+      <p:pic>
+        <p:nvPicPr>
+          <p:cNvPr id="10" name="그림 9">
+            <a:extLst>
+              <a:ext uri="{FF2B5EF4-FFF2-40B4-BE49-F238E27FC236}">
+                <a16:creationId xmlns:a16="http://schemas.microsoft.com/office/drawing/2014/main" id="{7ABA0B30-8EC1-397B-DEED-53657CA08893}"/>
+              </a:ext>
+            </a:extLst>
+          </p:cNvPr>
+          <p:cNvPicPr>
+            <a:picLocks noChangeAspect="1"/>
+          </p:cNvPicPr>
+          <p:nvPr/>
+        </p:nvPicPr>
+        <p:blipFill>
+          <a:blip r:embed="rId5"/>
+          <a:stretch>
+            <a:fillRect/>
+          </a:stretch>
+        </p:blipFill>
+        <p:spPr>
+          <a:xfrm>
+            <a:off x="10393500" y="949671"/>
+            <a:ext cx="1417500" cy="2520000"/>
+          </a:xfrm>
+          <a:prstGeom prst="rect">
+            <a:avLst/>
+          </a:prstGeom>
+        </p:spPr>
+      </p:pic>
+      <p:pic>
+        <p:nvPicPr>
+          <p:cNvPr id="13" name="그림 12">
+            <a:extLst>
+              <a:ext uri="{FF2B5EF4-FFF2-40B4-BE49-F238E27FC236}">
+                <a16:creationId xmlns:a16="http://schemas.microsoft.com/office/drawing/2014/main" id="{AFAD8F41-FFAA-4737-E95A-A624DE365BE9}"/>
+              </a:ext>
+            </a:extLst>
+          </p:cNvPr>
+          <p:cNvPicPr>
+            <a:picLocks noChangeAspect="1"/>
+          </p:cNvPicPr>
+          <p:nvPr/>
+        </p:nvPicPr>
+        <p:blipFill>
+          <a:blip r:embed="rId6"/>
+          <a:stretch>
+            <a:fillRect/>
+          </a:stretch>
+        </p:blipFill>
+        <p:spPr>
+          <a:xfrm>
+            <a:off x="10393500" y="3532484"/>
+            <a:ext cx="1417500" cy="2520000"/>
+          </a:xfrm>
+          <a:prstGeom prst="rect">
+            <a:avLst/>
+          </a:prstGeom>
+        </p:spPr>
+      </p:pic>
+      <p:pic>
+        <p:nvPicPr>
+          <p:cNvPr id="16" name="그림 15">
+            <a:extLst>
+              <a:ext uri="{FF2B5EF4-FFF2-40B4-BE49-F238E27FC236}">
+                <a16:creationId xmlns:a16="http://schemas.microsoft.com/office/drawing/2014/main" id="{5B575CA7-E787-AFA8-BAD0-0B74C200F4C7}"/>
+              </a:ext>
+            </a:extLst>
+          </p:cNvPr>
+          <p:cNvPicPr>
+            <a:picLocks noChangeAspect="1"/>
+          </p:cNvPicPr>
+          <p:nvPr/>
+        </p:nvPicPr>
+        <p:blipFill>
+          <a:blip r:embed="rId7"/>
+          <a:stretch>
+            <a:fillRect/>
+          </a:stretch>
+        </p:blipFill>
+        <p:spPr>
+          <a:xfrm>
+            <a:off x="8889901" y="3532484"/>
+            <a:ext cx="1417500" cy="2520000"/>
+          </a:xfrm>
+          <a:prstGeom prst="rect">
+            <a:avLst/>
+          </a:prstGeom>
+        </p:spPr>
+      </p:pic>
+      <p:sp>
+        <p:nvSpPr>
+          <p:cNvPr id="19" name="TextBox 18">
+            <a:extLst>
+              <a:ext uri="{FF2B5EF4-FFF2-40B4-BE49-F238E27FC236}">
+                <a16:creationId xmlns:a16="http://schemas.microsoft.com/office/drawing/2014/main" id="{DF0E40D9-CA2D-2007-1A53-F3D36080282F}"/>
+              </a:ext>
+            </a:extLst>
+          </p:cNvPr>
+          <p:cNvSpPr txBox="1"/>
+          <p:nvPr/>
+        </p:nvSpPr>
+        <p:spPr>
+          <a:xfrm>
+            <a:off x="311150" y="866705"/>
+            <a:ext cx="4501920" cy="547329"/>
+          </a:xfrm>
+          <a:prstGeom prst="rect">
+            <a:avLst/>
+          </a:prstGeom>
+          <a:noFill/>
+        </p:spPr>
+        <p:txBody>
+          <a:bodyPr wrap="square" rtlCol="0">
+            <a:spAutoFit/>
+          </a:bodyPr>
+          <a:lstStyle/>
+          <a:p>
+            <a:pPr marL="171450" indent="-171450">
+              <a:lnSpc>
+                <a:spcPct val="150000"/>
+              </a:lnSpc>
+              <a:buFontTx/>
+              <a:buChar char="-"/>
+            </a:pPr>
+            <a:r>
+              <a:rPr lang="ko-KR" altLang="en-US" sz="1100" dirty="0">
+                <a:solidFill>
+                  <a:srgbClr val="FF0000"/>
+                </a:solidFill>
+              </a:rPr>
+              <a:t>람다식으로 정의</a:t>
+            </a:r>
+            <a:br>
+              <a:rPr lang="en-US" altLang="ko-KR" sz="1100" dirty="0">
+                <a:solidFill>
+                  <a:srgbClr val="FF0000"/>
+                </a:solidFill>
+              </a:rPr>
+            </a:br>
+            <a:r>
+              <a:rPr lang="en-US" altLang="ko-KR" sz="1000" dirty="0"/>
+              <a:t>- </a:t>
+            </a:r>
+            <a:r>
+              <a:rPr lang="ko-KR" altLang="en-US" sz="1000" dirty="0"/>
+              <a:t>나중에 실행될 목적으로 다른 곳에 전달될 수 있는 간결한 코드 블록</a:t>
+            </a:r>
+            <a:endParaRPr lang="en-US" altLang="ko-KR" sz="1000" dirty="0"/>
+          </a:p>
+        </p:txBody>
+      </p:sp>
+      <p:sp>
+        <p:nvSpPr>
+          <p:cNvPr id="20" name="직사각형 19">
+            <a:extLst>
+              <a:ext uri="{FF2B5EF4-FFF2-40B4-BE49-F238E27FC236}">
+                <a16:creationId xmlns:a16="http://schemas.microsoft.com/office/drawing/2014/main" id="{692D95BA-D8F8-3A3C-8324-0759E196EB96}"/>
+              </a:ext>
+            </a:extLst>
+          </p:cNvPr>
+          <p:cNvSpPr/>
+          <p:nvPr/>
+        </p:nvSpPr>
+        <p:spPr>
+          <a:xfrm>
+            <a:off x="818804" y="2876733"/>
+            <a:ext cx="2475559" cy="718522"/>
+          </a:xfrm>
+          <a:prstGeom prst="rect">
+            <a:avLst/>
+          </a:prstGeom>
+          <a:noFill/>
+          <a:ln w="12700">
+            <a:solidFill>
+              <a:srgbClr val="FF0000"/>
+            </a:solidFill>
+          </a:ln>
+        </p:spPr>
+        <p:style>
+          <a:lnRef idx="2">
+            <a:schemeClr val="accent1">
+              <a:shade val="15000"/>
+            </a:schemeClr>
+          </a:lnRef>
+          <a:fillRef idx="1">
+            <a:schemeClr val="accent1"/>
+          </a:fillRef>
+          <a:effectRef idx="0">
+            <a:schemeClr val="accent1"/>
+          </a:effectRef>
+          <a:fontRef idx="minor">
+            <a:schemeClr val="lt1"/>
+          </a:fontRef>
+        </p:style>
+        <p:txBody>
+          <a:bodyPr rtlCol="0" anchor="ctr"/>
+          <a:lstStyle/>
+          <a:p>
+            <a:pPr algn="ctr"/>
+            <a:endParaRPr lang="ko-KR" altLang="en-US"/>
+          </a:p>
+        </p:txBody>
+      </p:sp>
+      <p:sp>
+        <p:nvSpPr>
+          <p:cNvPr id="21" name="직사각형 20">
+            <a:extLst>
+              <a:ext uri="{FF2B5EF4-FFF2-40B4-BE49-F238E27FC236}">
+                <a16:creationId xmlns:a16="http://schemas.microsoft.com/office/drawing/2014/main" id="{60467CC7-88B8-BDC2-BF8C-1006BBBD1260}"/>
+              </a:ext>
+            </a:extLst>
+          </p:cNvPr>
+          <p:cNvSpPr/>
+          <p:nvPr/>
+        </p:nvSpPr>
+        <p:spPr>
+          <a:xfrm>
+            <a:off x="4338539" y="4582402"/>
+            <a:ext cx="3166777" cy="164696"/>
+          </a:xfrm>
+          <a:prstGeom prst="rect">
+            <a:avLst/>
+          </a:prstGeom>
+          <a:noFill/>
+          <a:ln w="12700">
+            <a:solidFill>
+              <a:srgbClr val="FF0000"/>
+            </a:solidFill>
+          </a:ln>
+        </p:spPr>
+        <p:style>
+          <a:lnRef idx="2">
+            <a:schemeClr val="accent1">
+              <a:shade val="15000"/>
+            </a:schemeClr>
+          </a:lnRef>
+          <a:fillRef idx="1">
+            <a:schemeClr val="accent1"/>
+          </a:fillRef>
+          <a:effectRef idx="0">
+            <a:schemeClr val="accent1"/>
+          </a:effectRef>
+          <a:fontRef idx="minor">
+            <a:schemeClr val="lt1"/>
+          </a:fontRef>
+        </p:style>
+        <p:txBody>
+          <a:bodyPr rtlCol="0" anchor="ctr"/>
+          <a:lstStyle/>
+          <a:p>
+            <a:pPr algn="ctr"/>
+            <a:endParaRPr lang="ko-KR" altLang="en-US"/>
+          </a:p>
+        </p:txBody>
+      </p:sp>
+      <p:cxnSp>
+        <p:nvCxnSpPr>
+          <p:cNvPr id="22" name="직선 연결선 21">
+            <a:extLst>
+              <a:ext uri="{FF2B5EF4-FFF2-40B4-BE49-F238E27FC236}">
+                <a16:creationId xmlns:a16="http://schemas.microsoft.com/office/drawing/2014/main" id="{4E45E434-7918-B4CC-719B-55EA5FB0D9D0}"/>
+              </a:ext>
+            </a:extLst>
+          </p:cNvPr>
+          <p:cNvCxnSpPr>
+            <a:cxnSpLocks/>
+            <a:stCxn id="20" idx="3"/>
+            <a:endCxn id="21" idx="1"/>
+          </p:cNvCxnSpPr>
+          <p:nvPr/>
+        </p:nvCxnSpPr>
+        <p:spPr>
+          <a:xfrm>
+            <a:off x="3294363" y="3235994"/>
+            <a:ext cx="1044176" cy="1428756"/>
+          </a:xfrm>
+          <a:prstGeom prst="line">
+            <a:avLst/>
+          </a:prstGeom>
+          <a:ln w="12700">
+            <a:solidFill>
+              <a:srgbClr val="FF0000"/>
+            </a:solidFill>
+          </a:ln>
         </p:spPr>
         <p:style>
           <a:lnRef idx="2">
@@ -8223,10 +8621,10 @@
       </p:cxnSp>
       <p:pic>
         <p:nvPicPr>
-          <p:cNvPr id="12" name="그림 11">
-            <a:extLst>
-              <a:ext uri="{FF2B5EF4-FFF2-40B4-BE49-F238E27FC236}">
-                <a16:creationId xmlns:a16="http://schemas.microsoft.com/office/drawing/2014/main" id="{E5FD52D0-22B5-05BF-15CA-B480BE1FAEE1}"/>
+          <p:cNvPr id="9" name="그림 8">
+            <a:extLst>
+              <a:ext uri="{FF2B5EF4-FFF2-40B4-BE49-F238E27FC236}">
+                <a16:creationId xmlns:a16="http://schemas.microsoft.com/office/drawing/2014/main" id="{057ACA8D-77D5-0D5F-C2A8-8112C0B9C8E6}"/>
               </a:ext>
             </a:extLst>
           </p:cNvPr>
@@ -8236,418 +8634,21 @@
           <p:nvPr/>
         </p:nvPicPr>
         <p:blipFill>
-          <a:blip r:embed="rId3"/>
+          <a:blip r:embed="rId8"/>
           <a:stretch>
             <a:fillRect/>
           </a:stretch>
         </p:blipFill>
         <p:spPr>
           <a:xfrm>
-            <a:off x="4021351" y="2876733"/>
-            <a:ext cx="3514136" cy="3006131"/>
+            <a:off x="854574" y="4038599"/>
+            <a:ext cx="2591771" cy="2108729"/>
           </a:xfrm>
           <a:prstGeom prst="rect">
             <a:avLst/>
           </a:prstGeom>
         </p:spPr>
       </p:pic>
-      <p:sp>
-        <p:nvSpPr>
-          <p:cNvPr id="3" name="TextBox 2">
-            <a:extLst>
-              <a:ext uri="{FF2B5EF4-FFF2-40B4-BE49-F238E27FC236}">
-                <a16:creationId xmlns:a16="http://schemas.microsoft.com/office/drawing/2014/main" id="{173E5DE9-E0E0-B826-2658-6CAC730A96E3}"/>
-              </a:ext>
-            </a:extLst>
-          </p:cNvPr>
-          <p:cNvSpPr txBox="1"/>
-          <p:nvPr/>
-        </p:nvSpPr>
-        <p:spPr>
-          <a:xfrm>
-            <a:off x="11664950" y="6581001"/>
-            <a:ext cx="527050" cy="276999"/>
-          </a:xfrm>
-          <a:prstGeom prst="rect">
-            <a:avLst/>
-          </a:prstGeom>
-          <a:noFill/>
-        </p:spPr>
-        <p:txBody>
-          <a:bodyPr wrap="square" rtlCol="0">
-            <a:spAutoFit/>
-          </a:bodyPr>
-          <a:lstStyle/>
-          <a:p>
-            <a:pPr algn="r"/>
-            <a:r>
-              <a:rPr lang="en-US" altLang="ko-KR" sz="1200" dirty="0"/>
-              <a:t>Ch7</a:t>
-            </a:r>
-            <a:endParaRPr lang="ko-KR" altLang="en-US" sz="1200" dirty="0"/>
-          </a:p>
-        </p:txBody>
-      </p:sp>
-      <p:pic>
-        <p:nvPicPr>
-          <p:cNvPr id="8" name="그림 7">
-            <a:extLst>
-              <a:ext uri="{FF2B5EF4-FFF2-40B4-BE49-F238E27FC236}">
-                <a16:creationId xmlns:a16="http://schemas.microsoft.com/office/drawing/2014/main" id="{407C37D4-6542-878B-851F-1733989FC4A0}"/>
-              </a:ext>
-            </a:extLst>
-          </p:cNvPr>
-          <p:cNvPicPr>
-            <a:picLocks noChangeAspect="1"/>
-          </p:cNvPicPr>
-          <p:nvPr/>
-        </p:nvPicPr>
-        <p:blipFill>
-          <a:blip r:embed="rId4"/>
-          <a:stretch>
-            <a:fillRect/>
-          </a:stretch>
-        </p:blipFill>
-        <p:spPr>
-          <a:xfrm>
-            <a:off x="8889901" y="956374"/>
-            <a:ext cx="1417500" cy="2520000"/>
-          </a:xfrm>
-          <a:prstGeom prst="rect">
-            <a:avLst/>
-          </a:prstGeom>
-        </p:spPr>
-      </p:pic>
-      <p:pic>
-        <p:nvPicPr>
-          <p:cNvPr id="10" name="그림 9">
-            <a:extLst>
-              <a:ext uri="{FF2B5EF4-FFF2-40B4-BE49-F238E27FC236}">
-                <a16:creationId xmlns:a16="http://schemas.microsoft.com/office/drawing/2014/main" id="{7ABA0B30-8EC1-397B-DEED-53657CA08893}"/>
-              </a:ext>
-            </a:extLst>
-          </p:cNvPr>
-          <p:cNvPicPr>
-            <a:picLocks noChangeAspect="1"/>
-          </p:cNvPicPr>
-          <p:nvPr/>
-        </p:nvPicPr>
-        <p:blipFill>
-          <a:blip r:embed="rId5"/>
-          <a:stretch>
-            <a:fillRect/>
-          </a:stretch>
-        </p:blipFill>
-        <p:spPr>
-          <a:xfrm>
-            <a:off x="10393500" y="949671"/>
-            <a:ext cx="1417500" cy="2520000"/>
-          </a:xfrm>
-          <a:prstGeom prst="rect">
-            <a:avLst/>
-          </a:prstGeom>
-        </p:spPr>
-      </p:pic>
-      <p:pic>
-        <p:nvPicPr>
-          <p:cNvPr id="13" name="그림 12">
-            <a:extLst>
-              <a:ext uri="{FF2B5EF4-FFF2-40B4-BE49-F238E27FC236}">
-                <a16:creationId xmlns:a16="http://schemas.microsoft.com/office/drawing/2014/main" id="{AFAD8F41-FFAA-4737-E95A-A624DE365BE9}"/>
-              </a:ext>
-            </a:extLst>
-          </p:cNvPr>
-          <p:cNvPicPr>
-            <a:picLocks noChangeAspect="1"/>
-          </p:cNvPicPr>
-          <p:nvPr/>
-        </p:nvPicPr>
-        <p:blipFill>
-          <a:blip r:embed="rId6"/>
-          <a:stretch>
-            <a:fillRect/>
-          </a:stretch>
-        </p:blipFill>
-        <p:spPr>
-          <a:xfrm>
-            <a:off x="10393500" y="3532484"/>
-            <a:ext cx="1417500" cy="2520000"/>
-          </a:xfrm>
-          <a:prstGeom prst="rect">
-            <a:avLst/>
-          </a:prstGeom>
-        </p:spPr>
-      </p:pic>
-      <p:pic>
-        <p:nvPicPr>
-          <p:cNvPr id="16" name="그림 15">
-            <a:extLst>
-              <a:ext uri="{FF2B5EF4-FFF2-40B4-BE49-F238E27FC236}">
-                <a16:creationId xmlns:a16="http://schemas.microsoft.com/office/drawing/2014/main" id="{5B575CA7-E787-AFA8-BAD0-0B74C200F4C7}"/>
-              </a:ext>
-            </a:extLst>
-          </p:cNvPr>
-          <p:cNvPicPr>
-            <a:picLocks noChangeAspect="1"/>
-          </p:cNvPicPr>
-          <p:nvPr/>
-        </p:nvPicPr>
-        <p:blipFill>
-          <a:blip r:embed="rId7"/>
-          <a:stretch>
-            <a:fillRect/>
-          </a:stretch>
-        </p:blipFill>
-        <p:spPr>
-          <a:xfrm>
-            <a:off x="8889901" y="3532484"/>
-            <a:ext cx="1417500" cy="2520000"/>
-          </a:xfrm>
-          <a:prstGeom prst="rect">
-            <a:avLst/>
-          </a:prstGeom>
-        </p:spPr>
-      </p:pic>
-      <p:pic>
-        <p:nvPicPr>
-          <p:cNvPr id="18" name="그림 17">
-            <a:extLst>
-              <a:ext uri="{FF2B5EF4-FFF2-40B4-BE49-F238E27FC236}">
-                <a16:creationId xmlns:a16="http://schemas.microsoft.com/office/drawing/2014/main" id="{ADC19B7B-3ED5-0C27-B069-5E324156F1BA}"/>
-              </a:ext>
-            </a:extLst>
-          </p:cNvPr>
-          <p:cNvPicPr>
-            <a:picLocks noChangeAspect="1"/>
-          </p:cNvPicPr>
-          <p:nvPr/>
-        </p:nvPicPr>
-        <p:blipFill rotWithShape="1">
-          <a:blip r:embed="rId8"/>
-          <a:srcRect t="32972"/>
-          <a:stretch/>
-        </p:blipFill>
-        <p:spPr>
-          <a:xfrm>
-            <a:off x="483626" y="2876733"/>
-            <a:ext cx="2810738" cy="3494972"/>
-          </a:xfrm>
-          <a:prstGeom prst="rect">
-            <a:avLst/>
-          </a:prstGeom>
-        </p:spPr>
-      </p:pic>
-      <p:sp>
-        <p:nvSpPr>
-          <p:cNvPr id="19" name="TextBox 18">
-            <a:extLst>
-              <a:ext uri="{FF2B5EF4-FFF2-40B4-BE49-F238E27FC236}">
-                <a16:creationId xmlns:a16="http://schemas.microsoft.com/office/drawing/2014/main" id="{DF0E40D9-CA2D-2007-1A53-F3D36080282F}"/>
-              </a:ext>
-            </a:extLst>
-          </p:cNvPr>
-          <p:cNvSpPr txBox="1"/>
-          <p:nvPr/>
-        </p:nvSpPr>
-        <p:spPr>
-          <a:xfrm>
-            <a:off x="311150" y="866705"/>
-            <a:ext cx="4501920" cy="547329"/>
-          </a:xfrm>
-          <a:prstGeom prst="rect">
-            <a:avLst/>
-          </a:prstGeom>
-          <a:noFill/>
-        </p:spPr>
-        <p:txBody>
-          <a:bodyPr wrap="square" rtlCol="0">
-            <a:spAutoFit/>
-          </a:bodyPr>
-          <a:lstStyle/>
-          <a:p>
-            <a:pPr marL="171450" indent="-171450">
-              <a:lnSpc>
-                <a:spcPct val="150000"/>
-              </a:lnSpc>
-              <a:buFontTx/>
-              <a:buChar char="-"/>
-            </a:pPr>
-            <a:r>
-              <a:rPr lang="ko-KR" altLang="en-US" sz="1100" dirty="0">
-                <a:solidFill>
-                  <a:srgbClr val="FF0000"/>
-                </a:solidFill>
-              </a:rPr>
-              <a:t>람다식으로 정의</a:t>
-            </a:r>
-            <a:br>
-              <a:rPr lang="en-US" altLang="ko-KR" sz="1100" dirty="0">
-                <a:solidFill>
-                  <a:srgbClr val="FF0000"/>
-                </a:solidFill>
-              </a:rPr>
-            </a:br>
-            <a:r>
-              <a:rPr lang="en-US" altLang="ko-KR" sz="1000" dirty="0"/>
-              <a:t>- </a:t>
-            </a:r>
-            <a:r>
-              <a:rPr lang="ko-KR" altLang="en-US" sz="1000" dirty="0"/>
-              <a:t>나중에 실행될 목적으로 다른 곳에 전달될 수 있는 간결한 코드 블록</a:t>
-            </a:r>
-            <a:endParaRPr lang="en-US" altLang="ko-KR" sz="1000" dirty="0"/>
-          </a:p>
-        </p:txBody>
-      </p:sp>
-      <p:sp>
-        <p:nvSpPr>
-          <p:cNvPr id="20" name="직사각형 19">
-            <a:extLst>
-              <a:ext uri="{FF2B5EF4-FFF2-40B4-BE49-F238E27FC236}">
-                <a16:creationId xmlns:a16="http://schemas.microsoft.com/office/drawing/2014/main" id="{692D95BA-D8F8-3A3C-8324-0759E196EB96}"/>
-              </a:ext>
-            </a:extLst>
-          </p:cNvPr>
-          <p:cNvSpPr/>
-          <p:nvPr/>
-        </p:nvSpPr>
-        <p:spPr>
-          <a:xfrm>
-            <a:off x="818804" y="2876733"/>
-            <a:ext cx="2475559" cy="718522"/>
-          </a:xfrm>
-          <a:prstGeom prst="rect">
-            <a:avLst/>
-          </a:prstGeom>
-          <a:noFill/>
-          <a:ln w="12700">
-            <a:solidFill>
-              <a:srgbClr val="FF0000"/>
-            </a:solidFill>
-          </a:ln>
-        </p:spPr>
-        <p:style>
-          <a:lnRef idx="2">
-            <a:schemeClr val="accent1">
-              <a:shade val="15000"/>
-            </a:schemeClr>
-          </a:lnRef>
-          <a:fillRef idx="1">
-            <a:schemeClr val="accent1"/>
-          </a:fillRef>
-          <a:effectRef idx="0">
-            <a:schemeClr val="accent1"/>
-          </a:effectRef>
-          <a:fontRef idx="minor">
-            <a:schemeClr val="lt1"/>
-          </a:fontRef>
-        </p:style>
-        <p:txBody>
-          <a:bodyPr rtlCol="0" anchor="ctr"/>
-          <a:lstStyle/>
-          <a:p>
-            <a:pPr algn="ctr"/>
-            <a:endParaRPr lang="ko-KR" altLang="en-US"/>
-          </a:p>
-        </p:txBody>
-      </p:sp>
-      <p:sp>
-        <p:nvSpPr>
-          <p:cNvPr id="21" name="직사각형 20">
-            <a:extLst>
-              <a:ext uri="{FF2B5EF4-FFF2-40B4-BE49-F238E27FC236}">
-                <a16:creationId xmlns:a16="http://schemas.microsoft.com/office/drawing/2014/main" id="{60467CC7-88B8-BDC2-BF8C-1006BBBD1260}"/>
-              </a:ext>
-            </a:extLst>
-          </p:cNvPr>
-          <p:cNvSpPr/>
-          <p:nvPr/>
-        </p:nvSpPr>
-        <p:spPr>
-          <a:xfrm>
-            <a:off x="4338539" y="4582402"/>
-            <a:ext cx="3166777" cy="164696"/>
-          </a:xfrm>
-          <a:prstGeom prst="rect">
-            <a:avLst/>
-          </a:prstGeom>
-          <a:noFill/>
-          <a:ln w="12700">
-            <a:solidFill>
-              <a:srgbClr val="FF0000"/>
-            </a:solidFill>
-          </a:ln>
-        </p:spPr>
-        <p:style>
-          <a:lnRef idx="2">
-            <a:schemeClr val="accent1">
-              <a:shade val="15000"/>
-            </a:schemeClr>
-          </a:lnRef>
-          <a:fillRef idx="1">
-            <a:schemeClr val="accent1"/>
-          </a:fillRef>
-          <a:effectRef idx="0">
-            <a:schemeClr val="accent1"/>
-          </a:effectRef>
-          <a:fontRef idx="minor">
-            <a:schemeClr val="lt1"/>
-          </a:fontRef>
-        </p:style>
-        <p:txBody>
-          <a:bodyPr rtlCol="0" anchor="ctr"/>
-          <a:lstStyle/>
-          <a:p>
-            <a:pPr algn="ctr"/>
-            <a:endParaRPr lang="ko-KR" altLang="en-US"/>
-          </a:p>
-        </p:txBody>
-      </p:sp>
-      <p:cxnSp>
-        <p:nvCxnSpPr>
-          <p:cNvPr id="22" name="직선 연결선 21">
-            <a:extLst>
-              <a:ext uri="{FF2B5EF4-FFF2-40B4-BE49-F238E27FC236}">
-                <a16:creationId xmlns:a16="http://schemas.microsoft.com/office/drawing/2014/main" id="{4E45E434-7918-B4CC-719B-55EA5FB0D9D0}"/>
-              </a:ext>
-            </a:extLst>
-          </p:cNvPr>
-          <p:cNvCxnSpPr>
-            <a:cxnSpLocks/>
-            <a:stCxn id="20" idx="3"/>
-            <a:endCxn id="21" idx="1"/>
-          </p:cNvCxnSpPr>
-          <p:nvPr/>
-        </p:nvCxnSpPr>
-        <p:spPr>
-          <a:xfrm>
-            <a:off x="3294363" y="3235994"/>
-            <a:ext cx="1044176" cy="1428756"/>
-          </a:xfrm>
-          <a:prstGeom prst="line">
-            <a:avLst/>
-          </a:prstGeom>
-          <a:ln w="12700">
-            <a:solidFill>
-              <a:srgbClr val="FF0000"/>
-            </a:solidFill>
-          </a:ln>
-        </p:spPr>
-        <p:style>
-          <a:lnRef idx="2">
-            <a:schemeClr val="accent1"/>
-          </a:lnRef>
-          <a:fillRef idx="0">
-            <a:schemeClr val="accent1"/>
-          </a:fillRef>
-          <a:effectRef idx="1">
-            <a:schemeClr val="accent1"/>
-          </a:effectRef>
-          <a:fontRef idx="minor">
-            <a:schemeClr val="tx1"/>
-          </a:fontRef>
-        </p:style>
-      </p:cxnSp>
     </p:spTree>
     <p:extLst>
       <p:ext uri="{BB962C8B-B14F-4D97-AF65-F5344CB8AC3E}">
